--- a/Apollo-or-ROS/Localization.pptx
+++ b/Apollo-or-ROS/Localization.pptx
@@ -3356,9 +3356,13 @@
                       </a:pPr>
                       <a:r>
                         <a:rPr lang="en-US" altLang="zh-CN"/>
-                        <a:t>GNSS+LIDAR</a:t>
+                        <a:t>LIDAR</a:t>
                       </a:r>
-                      <a:endParaRPr lang="en-US" altLang="zh-CN"/>
+                      <a:r>
+                        <a:rPr lang="zh-CN" altLang="en-US"/>
+                        <a:t>为主</a:t>
+                      </a:r>
+                      <a:endParaRPr lang="zh-CN" altLang="en-US"/>
                     </a:p>
                   </a:txBody>
                   <a:tcPr anchor="ctr" anchorCtr="0"/>
